--- a/what-you-can-do-with-azurearc/images/figures.pptx
+++ b/what-you-can-do-with-azurearc/images/figures.pptx
@@ -8,6 +8,10 @@
     <p:sldId id="256" r:id="rId2"/>
     <p:sldId id="257" r:id="rId3"/>
     <p:sldId id="258" r:id="rId4"/>
+    <p:sldId id="259" r:id="rId5"/>
+    <p:sldId id="260" r:id="rId6"/>
+    <p:sldId id="261" r:id="rId7"/>
+    <p:sldId id="262" r:id="rId8"/>
   </p:sldIdLst>
   <p:sldSz cx="12192000" cy="6858000"/>
   <p:notesSz cx="6858000" cy="9144000"/>
@@ -4604,6 +4608,510 @@
 </p:sld>
 </file>
 
+<file path=ppt/slides/slide4.xml><?xml version="1.0" encoding="utf-8"?>
+<p:sld xmlns:a="http://schemas.openxmlformats.org/drawingml/2006/main" xmlns:r="http://schemas.openxmlformats.org/officeDocument/2006/relationships" xmlns:p="http://schemas.openxmlformats.org/presentationml/2006/main">
+  <p:cSld>
+    <p:spTree>
+      <p:nvGrpSpPr>
+        <p:cNvPr id="1" name=""/>
+        <p:cNvGrpSpPr/>
+        <p:nvPr/>
+      </p:nvGrpSpPr>
+      <p:grpSpPr>
+        <a:xfrm>
+          <a:off x="0" y="0"/>
+          <a:ext cx="0" cy="0"/>
+          <a:chOff x="0" y="0"/>
+          <a:chExt cx="0" cy="0"/>
+        </a:xfrm>
+      </p:grpSpPr>
+      <p:pic>
+        <p:nvPicPr>
+          <p:cNvPr id="3" name="図 2">
+            <a:extLst>
+              <a:ext uri="{FF2B5EF4-FFF2-40B4-BE49-F238E27FC236}">
+                <a16:creationId xmlns:a16="http://schemas.microsoft.com/office/drawing/2014/main" id="{CB0D0B82-9DBF-4FD5-A0FA-A4588C12F5C9}"/>
+              </a:ext>
+            </a:extLst>
+          </p:cNvPr>
+          <p:cNvPicPr>
+            <a:picLocks noChangeAspect="1"/>
+          </p:cNvPicPr>
+          <p:nvPr/>
+        </p:nvPicPr>
+        <p:blipFill rotWithShape="1">
+          <a:blip r:embed="rId2"/>
+          <a:srcRect l="19479" t="23333" r="1156" b="543"/>
+          <a:stretch/>
+        </p:blipFill>
+        <p:spPr>
+          <a:xfrm>
+            <a:off x="1461977" y="510362"/>
+            <a:ext cx="8511364" cy="5220586"/>
+          </a:xfrm>
+          <a:prstGeom prst="rect">
+            <a:avLst/>
+          </a:prstGeom>
+          <a:ln>
+            <a:noFill/>
+          </a:ln>
+          <a:effectLst>
+            <a:outerShdw blurRad="292100" dist="139700" dir="2700000" algn="tl" rotWithShape="0">
+              <a:srgbClr val="333333">
+                <a:alpha val="65000"/>
+              </a:srgbClr>
+            </a:outerShdw>
+          </a:effectLst>
+        </p:spPr>
+      </p:pic>
+      <p:sp>
+        <p:nvSpPr>
+          <p:cNvPr id="5" name="楕円 4">
+            <a:extLst>
+              <a:ext uri="{FF2B5EF4-FFF2-40B4-BE49-F238E27FC236}">
+                <a16:creationId xmlns:a16="http://schemas.microsoft.com/office/drawing/2014/main" id="{2A0BEE80-0991-45C3-8D1C-8911C0B6D4BD}"/>
+              </a:ext>
+            </a:extLst>
+          </p:cNvPr>
+          <p:cNvSpPr/>
+          <p:nvPr/>
+        </p:nvSpPr>
+        <p:spPr>
+          <a:xfrm>
+            <a:off x="1855111" y="5455204"/>
+            <a:ext cx="1760220" cy="360109"/>
+          </a:xfrm>
+          <a:prstGeom prst="ellipse">
+            <a:avLst/>
+          </a:prstGeom>
+          <a:noFill/>
+          <a:ln w="28575"/>
+        </p:spPr>
+        <p:style>
+          <a:lnRef idx="2">
+            <a:schemeClr val="accent2"/>
+          </a:lnRef>
+          <a:fillRef idx="1">
+            <a:schemeClr val="lt1"/>
+          </a:fillRef>
+          <a:effectRef idx="0">
+            <a:schemeClr val="accent2"/>
+          </a:effectRef>
+          <a:fontRef idx="minor">
+            <a:schemeClr val="dk1"/>
+          </a:fontRef>
+        </p:style>
+        <p:txBody>
+          <a:bodyPr rtlCol="0" anchor="ctr"/>
+          <a:lstStyle/>
+          <a:p>
+            <a:pPr algn="ctr"/>
+            <a:endParaRPr kumimoji="1" lang="ja-JP" altLang="en-US"/>
+          </a:p>
+        </p:txBody>
+      </p:sp>
+      <p:sp>
+        <p:nvSpPr>
+          <p:cNvPr id="6" name="テキスト ボックス 5">
+            <a:extLst>
+              <a:ext uri="{FF2B5EF4-FFF2-40B4-BE49-F238E27FC236}">
+                <a16:creationId xmlns:a16="http://schemas.microsoft.com/office/drawing/2014/main" id="{681BD6D3-915A-4879-A8A7-2F928E4EC2D7}"/>
+              </a:ext>
+            </a:extLst>
+          </p:cNvPr>
+          <p:cNvSpPr txBox="1"/>
+          <p:nvPr/>
+        </p:nvSpPr>
+        <p:spPr>
+          <a:xfrm>
+            <a:off x="648587" y="5978306"/>
+            <a:ext cx="4038285" cy="369332"/>
+          </a:xfrm>
+          <a:prstGeom prst="rect">
+            <a:avLst/>
+          </a:prstGeom>
+          <a:noFill/>
+        </p:spPr>
+        <p:txBody>
+          <a:bodyPr wrap="none" rtlCol="0">
+            <a:spAutoFit/>
+          </a:bodyPr>
+          <a:lstStyle/>
+          <a:p>
+            <a:r>
+              <a:rPr kumimoji="1" lang="en-US" altLang="ja-JP" dirty="0"/>
+              <a:t>Azure</a:t>
+            </a:r>
+            <a:r>
+              <a:rPr kumimoji="1" lang="ja-JP" altLang="en-US" dirty="0"/>
+              <a:t> </a:t>
+            </a:r>
+            <a:r>
+              <a:rPr kumimoji="1" lang="en-US" altLang="ja-JP" dirty="0"/>
+              <a:t>Arc</a:t>
+            </a:r>
+            <a:r>
+              <a:rPr kumimoji="1" lang="ja-JP" altLang="en-US" dirty="0"/>
+              <a:t> で管理されているサーバー</a:t>
+            </a:r>
+          </a:p>
+        </p:txBody>
+      </p:sp>
+    </p:spTree>
+    <p:extLst>
+      <p:ext uri="{BB962C8B-B14F-4D97-AF65-F5344CB8AC3E}">
+        <p14:creationId xmlns:p14="http://schemas.microsoft.com/office/powerpoint/2010/main" val="2395116142"/>
+      </p:ext>
+    </p:extLst>
+  </p:cSld>
+  <p:clrMapOvr>
+    <a:masterClrMapping/>
+  </p:clrMapOvr>
+</p:sld>
+</file>
+
+<file path=ppt/slides/slide5.xml><?xml version="1.0" encoding="utf-8"?>
+<p:sld xmlns:a="http://schemas.openxmlformats.org/drawingml/2006/main" xmlns:r="http://schemas.openxmlformats.org/officeDocument/2006/relationships" xmlns:p="http://schemas.openxmlformats.org/presentationml/2006/main">
+  <p:cSld>
+    <p:spTree>
+      <p:nvGrpSpPr>
+        <p:cNvPr id="1" name=""/>
+        <p:cNvGrpSpPr/>
+        <p:nvPr/>
+      </p:nvGrpSpPr>
+      <p:grpSpPr>
+        <a:xfrm>
+          <a:off x="0" y="0"/>
+          <a:ext cx="0" cy="0"/>
+          <a:chOff x="0" y="0"/>
+          <a:chExt cx="0" cy="0"/>
+        </a:xfrm>
+      </p:grpSpPr>
+      <p:pic>
+        <p:nvPicPr>
+          <p:cNvPr id="3" name="図 2">
+            <a:extLst>
+              <a:ext uri="{FF2B5EF4-FFF2-40B4-BE49-F238E27FC236}">
+                <a16:creationId xmlns:a16="http://schemas.microsoft.com/office/drawing/2014/main" id="{333CA518-6739-435E-9CF5-52057AC151A9}"/>
+              </a:ext>
+            </a:extLst>
+          </p:cNvPr>
+          <p:cNvPicPr>
+            <a:picLocks noChangeAspect="1"/>
+          </p:cNvPicPr>
+          <p:nvPr/>
+        </p:nvPicPr>
+        <p:blipFill rotWithShape="1">
+          <a:blip r:embed="rId2"/>
+          <a:srcRect t="9457" b="1"/>
+          <a:stretch/>
+        </p:blipFill>
+        <p:spPr>
+          <a:xfrm>
+            <a:off x="2713169" y="2018746"/>
+            <a:ext cx="9157986" cy="4665225"/>
+          </a:xfrm>
+          <a:prstGeom prst="rect">
+            <a:avLst/>
+          </a:prstGeom>
+          <a:ln>
+            <a:noFill/>
+          </a:ln>
+          <a:effectLst>
+            <a:outerShdw blurRad="292100" dist="139700" dir="2700000" algn="tl" rotWithShape="0">
+              <a:srgbClr val="333333">
+                <a:alpha val="65000"/>
+              </a:srgbClr>
+            </a:outerShdw>
+          </a:effectLst>
+        </p:spPr>
+      </p:pic>
+      <p:pic>
+        <p:nvPicPr>
+          <p:cNvPr id="5" name="図 4">
+            <a:extLst>
+              <a:ext uri="{FF2B5EF4-FFF2-40B4-BE49-F238E27FC236}">
+                <a16:creationId xmlns:a16="http://schemas.microsoft.com/office/drawing/2014/main" id="{5A934B1E-F600-475A-8256-1FFE5CC5F819}"/>
+              </a:ext>
+            </a:extLst>
+          </p:cNvPr>
+          <p:cNvPicPr>
+            <a:picLocks noChangeAspect="1"/>
+          </p:cNvPicPr>
+          <p:nvPr/>
+        </p:nvPicPr>
+        <p:blipFill rotWithShape="1">
+          <a:blip r:embed="rId3"/>
+          <a:srcRect t="9612"/>
+          <a:stretch/>
+        </p:blipFill>
+        <p:spPr>
+          <a:xfrm>
+            <a:off x="192328" y="174029"/>
+            <a:ext cx="6267780" cy="4233850"/>
+          </a:xfrm>
+          <a:prstGeom prst="rect">
+            <a:avLst/>
+          </a:prstGeom>
+          <a:ln>
+            <a:noFill/>
+          </a:ln>
+          <a:effectLst>
+            <a:outerShdw blurRad="292100" dist="139700" dir="2700000" algn="tl" rotWithShape="0">
+              <a:srgbClr val="333333">
+                <a:alpha val="65000"/>
+              </a:srgbClr>
+            </a:outerShdw>
+          </a:effectLst>
+        </p:spPr>
+      </p:pic>
+      <p:sp>
+        <p:nvSpPr>
+          <p:cNvPr id="7" name="楕円 6">
+            <a:extLst>
+              <a:ext uri="{FF2B5EF4-FFF2-40B4-BE49-F238E27FC236}">
+                <a16:creationId xmlns:a16="http://schemas.microsoft.com/office/drawing/2014/main" id="{B87C19CA-34F6-45D5-81FD-D3B62842D3BA}"/>
+              </a:ext>
+            </a:extLst>
+          </p:cNvPr>
+          <p:cNvSpPr/>
+          <p:nvPr/>
+        </p:nvSpPr>
+        <p:spPr>
+          <a:xfrm>
+            <a:off x="0" y="3365907"/>
+            <a:ext cx="1259958" cy="445865"/>
+          </a:xfrm>
+          <a:prstGeom prst="ellipse">
+            <a:avLst/>
+          </a:prstGeom>
+          <a:noFill/>
+          <a:ln w="28575"/>
+        </p:spPr>
+        <p:style>
+          <a:lnRef idx="2">
+            <a:schemeClr val="accent2"/>
+          </a:lnRef>
+          <a:fillRef idx="1">
+            <a:schemeClr val="lt1"/>
+          </a:fillRef>
+          <a:effectRef idx="0">
+            <a:schemeClr val="accent2"/>
+          </a:effectRef>
+          <a:fontRef idx="minor">
+            <a:schemeClr val="dk1"/>
+          </a:fontRef>
+        </p:style>
+        <p:txBody>
+          <a:bodyPr rtlCol="0" anchor="ctr"/>
+          <a:lstStyle/>
+          <a:p>
+            <a:pPr algn="ctr"/>
+            <a:endParaRPr kumimoji="1" lang="ja-JP" altLang="en-US"/>
+          </a:p>
+        </p:txBody>
+      </p:sp>
+    </p:spTree>
+    <p:extLst>
+      <p:ext uri="{BB962C8B-B14F-4D97-AF65-F5344CB8AC3E}">
+        <p14:creationId xmlns:p14="http://schemas.microsoft.com/office/powerpoint/2010/main" val="1269315954"/>
+      </p:ext>
+    </p:extLst>
+  </p:cSld>
+  <p:clrMapOvr>
+    <a:masterClrMapping/>
+  </p:clrMapOvr>
+</p:sld>
+</file>
+
+<file path=ppt/slides/slide6.xml><?xml version="1.0" encoding="utf-8"?>
+<p:sld xmlns:a="http://schemas.openxmlformats.org/drawingml/2006/main" xmlns:r="http://schemas.openxmlformats.org/officeDocument/2006/relationships" xmlns:p="http://schemas.openxmlformats.org/presentationml/2006/main">
+  <p:cSld>
+    <p:spTree>
+      <p:nvGrpSpPr>
+        <p:cNvPr id="1" name=""/>
+        <p:cNvGrpSpPr/>
+        <p:nvPr/>
+      </p:nvGrpSpPr>
+      <p:grpSpPr>
+        <a:xfrm>
+          <a:off x="0" y="0"/>
+          <a:ext cx="0" cy="0"/>
+          <a:chOff x="0" y="0"/>
+          <a:chExt cx="0" cy="0"/>
+        </a:xfrm>
+      </p:grpSpPr>
+      <p:pic>
+        <p:nvPicPr>
+          <p:cNvPr id="3" name="図 2">
+            <a:extLst>
+              <a:ext uri="{FF2B5EF4-FFF2-40B4-BE49-F238E27FC236}">
+                <a16:creationId xmlns:a16="http://schemas.microsoft.com/office/drawing/2014/main" id="{5688B90F-2892-49E6-99AA-31A161CF94C2}"/>
+              </a:ext>
+            </a:extLst>
+          </p:cNvPr>
+          <p:cNvPicPr>
+            <a:picLocks noChangeAspect="1"/>
+          </p:cNvPicPr>
+          <p:nvPr/>
+        </p:nvPicPr>
+        <p:blipFill rotWithShape="1">
+          <a:blip r:embed="rId2"/>
+          <a:srcRect t="9767" b="30000"/>
+          <a:stretch/>
+        </p:blipFill>
+        <p:spPr>
+          <a:xfrm>
+            <a:off x="1013878" y="669850"/>
+            <a:ext cx="10164243" cy="4130749"/>
+          </a:xfrm>
+          <a:prstGeom prst="rect">
+            <a:avLst/>
+          </a:prstGeom>
+          <a:ln>
+            <a:noFill/>
+          </a:ln>
+          <a:effectLst>
+            <a:outerShdw blurRad="292100" dist="139700" dir="2700000" algn="tl" rotWithShape="0">
+              <a:srgbClr val="333333">
+                <a:alpha val="65000"/>
+              </a:srgbClr>
+            </a:outerShdw>
+          </a:effectLst>
+        </p:spPr>
+      </p:pic>
+      <p:sp>
+        <p:nvSpPr>
+          <p:cNvPr id="5" name="楕円 4">
+            <a:extLst>
+              <a:ext uri="{FF2B5EF4-FFF2-40B4-BE49-F238E27FC236}">
+                <a16:creationId xmlns:a16="http://schemas.microsoft.com/office/drawing/2014/main" id="{1E3BBB2C-3D89-4ACF-B833-71354153C0F7}"/>
+              </a:ext>
+            </a:extLst>
+          </p:cNvPr>
+          <p:cNvSpPr/>
+          <p:nvPr/>
+        </p:nvSpPr>
+        <p:spPr>
+          <a:xfrm>
+            <a:off x="7150126" y="1590270"/>
+            <a:ext cx="1175168" cy="403335"/>
+          </a:xfrm>
+          <a:prstGeom prst="ellipse">
+            <a:avLst/>
+          </a:prstGeom>
+          <a:noFill/>
+          <a:ln w="28575">
+            <a:solidFill>
+              <a:srgbClr val="FF0000"/>
+            </a:solidFill>
+          </a:ln>
+        </p:spPr>
+        <p:style>
+          <a:lnRef idx="2">
+            <a:schemeClr val="accent2"/>
+          </a:lnRef>
+          <a:fillRef idx="1">
+            <a:schemeClr val="lt1"/>
+          </a:fillRef>
+          <a:effectRef idx="0">
+            <a:schemeClr val="accent2"/>
+          </a:effectRef>
+          <a:fontRef idx="minor">
+            <a:schemeClr val="dk1"/>
+          </a:fontRef>
+        </p:style>
+        <p:txBody>
+          <a:bodyPr rtlCol="0" anchor="ctr"/>
+          <a:lstStyle/>
+          <a:p>
+            <a:pPr algn="ctr"/>
+            <a:endParaRPr kumimoji="1" lang="ja-JP" altLang="en-US"/>
+          </a:p>
+        </p:txBody>
+      </p:sp>
+    </p:spTree>
+    <p:extLst>
+      <p:ext uri="{BB962C8B-B14F-4D97-AF65-F5344CB8AC3E}">
+        <p14:creationId xmlns:p14="http://schemas.microsoft.com/office/powerpoint/2010/main" val="1212779869"/>
+      </p:ext>
+    </p:extLst>
+  </p:cSld>
+  <p:clrMapOvr>
+    <a:masterClrMapping/>
+  </p:clrMapOvr>
+</p:sld>
+</file>
+
+<file path=ppt/slides/slide7.xml><?xml version="1.0" encoding="utf-8"?>
+<p:sld xmlns:a="http://schemas.openxmlformats.org/drawingml/2006/main" xmlns:r="http://schemas.openxmlformats.org/officeDocument/2006/relationships" xmlns:p="http://schemas.openxmlformats.org/presentationml/2006/main">
+  <p:cSld>
+    <p:spTree>
+      <p:nvGrpSpPr>
+        <p:cNvPr id="1" name=""/>
+        <p:cNvGrpSpPr/>
+        <p:nvPr/>
+      </p:nvGrpSpPr>
+      <p:grpSpPr>
+        <a:xfrm>
+          <a:off x="0" y="0"/>
+          <a:ext cx="0" cy="0"/>
+          <a:chOff x="0" y="0"/>
+          <a:chExt cx="0" cy="0"/>
+        </a:xfrm>
+      </p:grpSpPr>
+      <p:pic>
+        <p:nvPicPr>
+          <p:cNvPr id="7" name="図 6">
+            <a:extLst>
+              <a:ext uri="{FF2B5EF4-FFF2-40B4-BE49-F238E27FC236}">
+                <a16:creationId xmlns:a16="http://schemas.microsoft.com/office/drawing/2014/main" id="{9256D4F2-1560-4234-A9F9-FB5D1E20B29A}"/>
+              </a:ext>
+            </a:extLst>
+          </p:cNvPr>
+          <p:cNvPicPr>
+            <a:picLocks noChangeAspect="1"/>
+          </p:cNvPicPr>
+          <p:nvPr/>
+        </p:nvPicPr>
+        <p:blipFill rotWithShape="1">
+          <a:blip r:embed="rId2"/>
+          <a:srcRect t="9923" b="19458"/>
+          <a:stretch/>
+        </p:blipFill>
+        <p:spPr>
+          <a:xfrm>
+            <a:off x="1595966" y="680484"/>
+            <a:ext cx="9000067" cy="4843130"/>
+          </a:xfrm>
+          <a:prstGeom prst="rect">
+            <a:avLst/>
+          </a:prstGeom>
+          <a:ln>
+            <a:noFill/>
+          </a:ln>
+          <a:effectLst>
+            <a:outerShdw blurRad="292100" dist="139700" dir="2700000" algn="tl" rotWithShape="0">
+              <a:srgbClr val="333333">
+                <a:alpha val="65000"/>
+              </a:srgbClr>
+            </a:outerShdw>
+          </a:effectLst>
+        </p:spPr>
+      </p:pic>
+    </p:spTree>
+    <p:extLst>
+      <p:ext uri="{BB962C8B-B14F-4D97-AF65-F5344CB8AC3E}">
+        <p14:creationId xmlns:p14="http://schemas.microsoft.com/office/powerpoint/2010/main" val="3298343383"/>
+      </p:ext>
+    </p:extLst>
+  </p:cSld>
+  <p:clrMapOvr>
+    <a:masterClrMapping/>
+  </p:clrMapOvr>
+</p:sld>
+</file>
+
 <file path=ppt/theme/theme1.xml><?xml version="1.0" encoding="utf-8"?>
 <a:theme xmlns:a="http://schemas.openxmlformats.org/drawingml/2006/main" name="Office テーマ">
   <a:themeElements>

--- a/what-you-can-do-with-azurearc/images/figures.pptx
+++ b/what-you-can-do-with-azurearc/images/figures.pptx
@@ -12,6 +12,7 @@
     <p:sldId id="260" r:id="rId6"/>
     <p:sldId id="261" r:id="rId7"/>
     <p:sldId id="262" r:id="rId8"/>
+    <p:sldId id="263" r:id="rId9"/>
   </p:sldIdLst>
   <p:sldSz cx="12192000" cy="6858000"/>
   <p:notesSz cx="6858000" cy="9144000"/>
@@ -110,6 +111,11 @@
       </a:defRPr>
     </a:lvl9pPr>
   </p:defaultTextStyle>
+  <p:extLst>
+    <p:ext uri="{EFAFB233-063F-42B5-8137-9DF3F51BA10A}">
+      <p15:sldGuideLst xmlns:p15="http://schemas.microsoft.com/office/powerpoint/2012/main"/>
+    </p:ext>
+  </p:extLst>
 </p:presentation>
 </file>
 
@@ -260,7 +266,7 @@
           <a:p>
             <a:fld id="{25691065-3E3B-4216-86AE-33250A2FE707}" type="datetimeFigureOut">
               <a:rPr kumimoji="1" lang="ja-JP" altLang="en-US" smtClean="0"/>
-              <a:t>2020/8/6</a:t>
+              <a:t>2020/8/16</a:t>
             </a:fld>
             <a:endParaRPr kumimoji="1" lang="ja-JP" altLang="en-US"/>
           </a:p>
@@ -490,7 +496,7 @@
           <a:p>
             <a:fld id="{25691065-3E3B-4216-86AE-33250A2FE707}" type="datetimeFigureOut">
               <a:rPr kumimoji="1" lang="ja-JP" altLang="en-US" smtClean="0"/>
-              <a:t>2020/8/6</a:t>
+              <a:t>2020/8/16</a:t>
             </a:fld>
             <a:endParaRPr kumimoji="1" lang="ja-JP" altLang="en-US"/>
           </a:p>
@@ -730,7 +736,7 @@
           <a:p>
             <a:fld id="{25691065-3E3B-4216-86AE-33250A2FE707}" type="datetimeFigureOut">
               <a:rPr kumimoji="1" lang="ja-JP" altLang="en-US" smtClean="0"/>
-              <a:t>2020/8/6</a:t>
+              <a:t>2020/8/16</a:t>
             </a:fld>
             <a:endParaRPr kumimoji="1" lang="ja-JP" altLang="en-US"/>
           </a:p>
@@ -960,7 +966,7 @@
           <a:p>
             <a:fld id="{25691065-3E3B-4216-86AE-33250A2FE707}" type="datetimeFigureOut">
               <a:rPr kumimoji="1" lang="ja-JP" altLang="en-US" smtClean="0"/>
-              <a:t>2020/8/6</a:t>
+              <a:t>2020/8/16</a:t>
             </a:fld>
             <a:endParaRPr kumimoji="1" lang="ja-JP" altLang="en-US"/>
           </a:p>
@@ -1235,7 +1241,7 @@
           <a:p>
             <a:fld id="{25691065-3E3B-4216-86AE-33250A2FE707}" type="datetimeFigureOut">
               <a:rPr kumimoji="1" lang="ja-JP" altLang="en-US" smtClean="0"/>
-              <a:t>2020/8/6</a:t>
+              <a:t>2020/8/16</a:t>
             </a:fld>
             <a:endParaRPr kumimoji="1" lang="ja-JP" altLang="en-US"/>
           </a:p>
@@ -1564,7 +1570,7 @@
           <a:p>
             <a:fld id="{25691065-3E3B-4216-86AE-33250A2FE707}" type="datetimeFigureOut">
               <a:rPr kumimoji="1" lang="ja-JP" altLang="en-US" smtClean="0"/>
-              <a:t>2020/8/6</a:t>
+              <a:t>2020/8/16</a:t>
             </a:fld>
             <a:endParaRPr kumimoji="1" lang="ja-JP" altLang="en-US"/>
           </a:p>
@@ -2040,7 +2046,7 @@
           <a:p>
             <a:fld id="{25691065-3E3B-4216-86AE-33250A2FE707}" type="datetimeFigureOut">
               <a:rPr kumimoji="1" lang="ja-JP" altLang="en-US" smtClean="0"/>
-              <a:t>2020/8/6</a:t>
+              <a:t>2020/8/16</a:t>
             </a:fld>
             <a:endParaRPr kumimoji="1" lang="ja-JP" altLang="en-US"/>
           </a:p>
@@ -2181,7 +2187,7 @@
           <a:p>
             <a:fld id="{25691065-3E3B-4216-86AE-33250A2FE707}" type="datetimeFigureOut">
               <a:rPr kumimoji="1" lang="ja-JP" altLang="en-US" smtClean="0"/>
-              <a:t>2020/8/6</a:t>
+              <a:t>2020/8/16</a:t>
             </a:fld>
             <a:endParaRPr kumimoji="1" lang="ja-JP" altLang="en-US"/>
           </a:p>
@@ -2294,7 +2300,7 @@
           <a:p>
             <a:fld id="{25691065-3E3B-4216-86AE-33250A2FE707}" type="datetimeFigureOut">
               <a:rPr kumimoji="1" lang="ja-JP" altLang="en-US" smtClean="0"/>
-              <a:t>2020/8/6</a:t>
+              <a:t>2020/8/16</a:t>
             </a:fld>
             <a:endParaRPr kumimoji="1" lang="ja-JP" altLang="en-US"/>
           </a:p>
@@ -2637,7 +2643,7 @@
           <a:p>
             <a:fld id="{25691065-3E3B-4216-86AE-33250A2FE707}" type="datetimeFigureOut">
               <a:rPr kumimoji="1" lang="ja-JP" altLang="en-US" smtClean="0"/>
-              <a:t>2020/8/6</a:t>
+              <a:t>2020/8/16</a:t>
             </a:fld>
             <a:endParaRPr kumimoji="1" lang="ja-JP" altLang="en-US"/>
           </a:p>
@@ -2925,7 +2931,7 @@
           <a:p>
             <a:fld id="{25691065-3E3B-4216-86AE-33250A2FE707}" type="datetimeFigureOut">
               <a:rPr kumimoji="1" lang="ja-JP" altLang="en-US" smtClean="0"/>
-              <a:t>2020/8/6</a:t>
+              <a:t>2020/8/16</a:t>
             </a:fld>
             <a:endParaRPr kumimoji="1" lang="ja-JP" altLang="en-US"/>
           </a:p>
@@ -3198,7 +3204,7 @@
           <a:p>
             <a:fld id="{25691065-3E3B-4216-86AE-33250A2FE707}" type="datetimeFigureOut">
               <a:rPr kumimoji="1" lang="ja-JP" altLang="en-US" smtClean="0"/>
-              <a:t>2020/8/6</a:t>
+              <a:t>2020/8/16</a:t>
             </a:fld>
             <a:endParaRPr kumimoji="1" lang="ja-JP" altLang="en-US"/>
           </a:p>
@@ -5112,6 +5118,75 @@
 </p:sld>
 </file>
 
+<file path=ppt/slides/slide8.xml><?xml version="1.0" encoding="utf-8"?>
+<p:sld xmlns:a="http://schemas.openxmlformats.org/drawingml/2006/main" xmlns:r="http://schemas.openxmlformats.org/officeDocument/2006/relationships" xmlns:p="http://schemas.openxmlformats.org/presentationml/2006/main">
+  <p:cSld>
+    <p:spTree>
+      <p:nvGrpSpPr>
+        <p:cNvPr id="1" name=""/>
+        <p:cNvGrpSpPr/>
+        <p:nvPr/>
+      </p:nvGrpSpPr>
+      <p:grpSpPr>
+        <a:xfrm>
+          <a:off x="0" y="0"/>
+          <a:ext cx="0" cy="0"/>
+          <a:chOff x="0" y="0"/>
+          <a:chExt cx="0" cy="0"/>
+        </a:xfrm>
+      </p:grpSpPr>
+      <p:pic>
+        <p:nvPicPr>
+          <p:cNvPr id="3" name="図 2">
+            <a:extLst>
+              <a:ext uri="{FF2B5EF4-FFF2-40B4-BE49-F238E27FC236}">
+                <a16:creationId xmlns:a16="http://schemas.microsoft.com/office/drawing/2014/main" id="{D4839497-8483-4A80-B2E6-3CC40019ABC6}"/>
+              </a:ext>
+            </a:extLst>
+          </p:cNvPr>
+          <p:cNvPicPr>
+            <a:picLocks noChangeAspect="1"/>
+          </p:cNvPicPr>
+          <p:nvPr/>
+        </p:nvPicPr>
+        <p:blipFill rotWithShape="1">
+          <a:blip r:embed="rId2"/>
+          <a:srcRect t="8425" b="19346"/>
+          <a:stretch/>
+        </p:blipFill>
+        <p:spPr>
+          <a:xfrm>
+            <a:off x="1227484" y="577810"/>
+            <a:ext cx="9737031" cy="4953469"/>
+          </a:xfrm>
+          <a:prstGeom prst="rect">
+            <a:avLst/>
+          </a:prstGeom>
+          <a:ln>
+            <a:noFill/>
+          </a:ln>
+          <a:effectLst>
+            <a:outerShdw blurRad="292100" dist="139700" dir="2700000" algn="tl" rotWithShape="0">
+              <a:srgbClr val="333333">
+                <a:alpha val="65000"/>
+              </a:srgbClr>
+            </a:outerShdw>
+          </a:effectLst>
+        </p:spPr>
+      </p:pic>
+    </p:spTree>
+    <p:extLst>
+      <p:ext uri="{BB962C8B-B14F-4D97-AF65-F5344CB8AC3E}">
+        <p14:creationId xmlns:p14="http://schemas.microsoft.com/office/powerpoint/2010/main" val="2972367868"/>
+      </p:ext>
+    </p:extLst>
+  </p:cSld>
+  <p:clrMapOvr>
+    <a:masterClrMapping/>
+  </p:clrMapOvr>
+</p:sld>
+</file>
+
 <file path=ppt/theme/theme1.xml><?xml version="1.0" encoding="utf-8"?>
 <a:theme xmlns:a="http://schemas.openxmlformats.org/drawingml/2006/main" name="Office テーマ">
   <a:themeElements>
